--- a/Project_2_Presentation.pptx
+++ b/Project_2_Presentation.pptx
@@ -5,7 +5,7 @@
     <p:sldMasterId id="2147483684" r:id="rId1"/>
   </p:sldMasterIdLst>
   <p:notesMasterIdLst>
-    <p:notesMasterId r:id="rId14"/>
+    <p:notesMasterId r:id="rId15"/>
   </p:notesMasterIdLst>
   <p:sldIdLst>
     <p:sldId id="256" r:id="rId2"/>
@@ -19,7 +19,8 @@
     <p:sldId id="261" r:id="rId10"/>
     <p:sldId id="266" r:id="rId11"/>
     <p:sldId id="267" r:id="rId12"/>
-    <p:sldId id="259" r:id="rId13"/>
+    <p:sldId id="268" r:id="rId13"/>
+    <p:sldId id="269" r:id="rId14"/>
   </p:sldIdLst>
   <p:sldSz cx="12192000" cy="6858000"/>
   <p:notesSz cx="6858000" cy="9144000"/>
@@ -4622,10 +4623,9 @@
           <a:lstStyle/>
           <a:p>
             <a:r>
-              <a:rPr lang="en-US"/>
+              <a:rPr lang="en-US" dirty="0"/>
               <a:t>Patrick Wales-Dinan | GA 2019</a:t>
             </a:r>
-            <a:endParaRPr lang="en-US" dirty="0"/>
           </a:p>
         </p:txBody>
       </p:sp>
@@ -4765,6 +4765,314 @@
           </a:p>
         </p:txBody>
       </p:sp>
+      <p:sp>
+        <p:nvSpPr>
+          <p:cNvPr id="8" name="TextBox 7">
+            <a:extLst>
+              <a:ext uri="{FF2B5EF4-FFF2-40B4-BE49-F238E27FC236}">
+                <a16:creationId xmlns:a16="http://schemas.microsoft.com/office/drawing/2014/main" id="{95EEDEBF-3D00-934F-A0B3-D26929877286}"/>
+              </a:ext>
+            </a:extLst>
+          </p:cNvPr>
+          <p:cNvSpPr txBox="1"/>
+          <p:nvPr/>
+        </p:nvSpPr>
+        <p:spPr>
+          <a:xfrm>
+            <a:off x="1024299" y="1709706"/>
+            <a:ext cx="5243971" cy="400110"/>
+          </a:xfrm>
+          <a:prstGeom prst="rect">
+            <a:avLst/>
+          </a:prstGeom>
+          <a:noFill/>
+        </p:spPr>
+        <p:txBody>
+          <a:bodyPr wrap="square" rtlCol="0">
+            <a:spAutoFit/>
+          </a:bodyPr>
+          <a:lstStyle/>
+          <a:p>
+            <a:pPr marL="285750" indent="-285750">
+              <a:buFont typeface="Arial" panose="020B0604020202020204" pitchFamily="34" charset="0"/>
+              <a:buChar char="•"/>
+            </a:pPr>
+            <a:r>
+              <a:rPr lang="en-US" sz="2000" dirty="0"/>
+              <a:t>Took the log of our y-variable (Sale Price)</a:t>
+            </a:r>
+          </a:p>
+        </p:txBody>
+      </p:sp>
+      <p:sp>
+        <p:nvSpPr>
+          <p:cNvPr id="9" name="TextBox 8">
+            <a:extLst>
+              <a:ext uri="{FF2B5EF4-FFF2-40B4-BE49-F238E27FC236}">
+                <a16:creationId xmlns:a16="http://schemas.microsoft.com/office/drawing/2014/main" id="{9BE518BD-8060-B44D-BA0A-D29D5E1A2D05}"/>
+              </a:ext>
+            </a:extLst>
+          </p:cNvPr>
+          <p:cNvSpPr txBox="1"/>
+          <p:nvPr/>
+        </p:nvSpPr>
+        <p:spPr>
+          <a:xfrm>
+            <a:off x="1024298" y="2167186"/>
+            <a:ext cx="5243971" cy="400110"/>
+          </a:xfrm>
+          <a:prstGeom prst="rect">
+            <a:avLst/>
+          </a:prstGeom>
+          <a:noFill/>
+        </p:spPr>
+        <p:txBody>
+          <a:bodyPr wrap="square" rtlCol="0">
+            <a:spAutoFit/>
+          </a:bodyPr>
+          <a:lstStyle/>
+          <a:p>
+            <a:pPr marL="285750" indent="-285750">
+              <a:buFont typeface="Arial" panose="020B0604020202020204" pitchFamily="34" charset="0"/>
+              <a:buChar char="•"/>
+            </a:pPr>
+            <a:r>
+              <a:rPr lang="en-US" sz="2000" dirty="0"/>
+              <a:t>Fit a linear regression </a:t>
+            </a:r>
+          </a:p>
+        </p:txBody>
+      </p:sp>
+      <p:sp>
+        <p:nvSpPr>
+          <p:cNvPr id="10" name="TextBox 9">
+            <a:extLst>
+              <a:ext uri="{FF2B5EF4-FFF2-40B4-BE49-F238E27FC236}">
+                <a16:creationId xmlns:a16="http://schemas.microsoft.com/office/drawing/2014/main" id="{C79AD486-8BF6-7342-9F9A-452DAAA958EF}"/>
+              </a:ext>
+            </a:extLst>
+          </p:cNvPr>
+          <p:cNvSpPr txBox="1"/>
+          <p:nvPr/>
+        </p:nvSpPr>
+        <p:spPr>
+          <a:xfrm>
+            <a:off x="1024297" y="3080986"/>
+            <a:ext cx="5243971" cy="400110"/>
+          </a:xfrm>
+          <a:prstGeom prst="rect">
+            <a:avLst/>
+          </a:prstGeom>
+          <a:noFill/>
+        </p:spPr>
+        <p:txBody>
+          <a:bodyPr wrap="square" rtlCol="0">
+            <a:spAutoFit/>
+          </a:bodyPr>
+          <a:lstStyle/>
+          <a:p>
+            <a:pPr marL="285750" indent="-285750">
+              <a:buFont typeface="Arial" panose="020B0604020202020204" pitchFamily="34" charset="0"/>
+              <a:buChar char="•"/>
+            </a:pPr>
+            <a:r>
+              <a:rPr lang="en-US" sz="2000" dirty="0"/>
+              <a:t>Examined the residuals</a:t>
+            </a:r>
+          </a:p>
+        </p:txBody>
+      </p:sp>
+      <p:sp>
+        <p:nvSpPr>
+          <p:cNvPr id="11" name="TextBox 10">
+            <a:extLst>
+              <a:ext uri="{FF2B5EF4-FFF2-40B4-BE49-F238E27FC236}">
+                <a16:creationId xmlns:a16="http://schemas.microsoft.com/office/drawing/2014/main" id="{59C7D228-7F3C-5D4F-8CA0-E42048792435}"/>
+              </a:ext>
+            </a:extLst>
+          </p:cNvPr>
+          <p:cNvSpPr txBox="1"/>
+          <p:nvPr/>
+        </p:nvSpPr>
+        <p:spPr>
+          <a:xfrm>
+            <a:off x="1024296" y="3537886"/>
+            <a:ext cx="5243971" cy="400110"/>
+          </a:xfrm>
+          <a:prstGeom prst="rect">
+            <a:avLst/>
+          </a:prstGeom>
+          <a:noFill/>
+        </p:spPr>
+        <p:txBody>
+          <a:bodyPr wrap="square" rtlCol="0">
+            <a:spAutoFit/>
+          </a:bodyPr>
+          <a:lstStyle/>
+          <a:p>
+            <a:pPr marL="285750" indent="-285750">
+              <a:buFont typeface="Arial" panose="020B0604020202020204" pitchFamily="34" charset="0"/>
+              <a:buChar char="•"/>
+            </a:pPr>
+            <a:r>
+              <a:rPr lang="en-US" sz="2000" dirty="0"/>
+              <a:t>Fit a LASSO &amp; Ridge Regression models</a:t>
+            </a:r>
+          </a:p>
+        </p:txBody>
+      </p:sp>
+      <p:sp>
+        <p:nvSpPr>
+          <p:cNvPr id="7" name="TextBox 6">
+            <a:extLst>
+              <a:ext uri="{FF2B5EF4-FFF2-40B4-BE49-F238E27FC236}">
+                <a16:creationId xmlns:a16="http://schemas.microsoft.com/office/drawing/2014/main" id="{C2E30D19-7094-4B47-91CB-A4D88449B72E}"/>
+              </a:ext>
+            </a:extLst>
+          </p:cNvPr>
+          <p:cNvSpPr txBox="1"/>
+          <p:nvPr/>
+        </p:nvSpPr>
+        <p:spPr>
+          <a:xfrm>
+            <a:off x="8481389" y="446149"/>
+            <a:ext cx="2743201" cy="369332"/>
+          </a:xfrm>
+          <a:prstGeom prst="rect">
+            <a:avLst/>
+          </a:prstGeom>
+          <a:noFill/>
+        </p:spPr>
+        <p:txBody>
+          <a:bodyPr wrap="square" rtlCol="0">
+            <a:spAutoFit/>
+          </a:bodyPr>
+          <a:lstStyle/>
+          <a:p>
+            <a:r>
+              <a:rPr lang="en-US" dirty="0"/>
+              <a:t>Baseline Est. = $181,469.70</a:t>
+            </a:r>
+          </a:p>
+        </p:txBody>
+      </p:sp>
+      <p:sp>
+        <p:nvSpPr>
+          <p:cNvPr id="13" name="TextBox 12">
+            <a:extLst>
+              <a:ext uri="{FF2B5EF4-FFF2-40B4-BE49-F238E27FC236}">
+                <a16:creationId xmlns:a16="http://schemas.microsoft.com/office/drawing/2014/main" id="{B1198B06-478B-524F-BEE1-025E87ABB6BD}"/>
+              </a:ext>
+            </a:extLst>
+          </p:cNvPr>
+          <p:cNvSpPr txBox="1"/>
+          <p:nvPr/>
+        </p:nvSpPr>
+        <p:spPr>
+          <a:xfrm>
+            <a:off x="1024295" y="3994786"/>
+            <a:ext cx="7457094" cy="400110"/>
+          </a:xfrm>
+          <a:prstGeom prst="rect">
+            <a:avLst/>
+          </a:prstGeom>
+          <a:noFill/>
+        </p:spPr>
+        <p:txBody>
+          <a:bodyPr wrap="square" rtlCol="0">
+            <a:spAutoFit/>
+          </a:bodyPr>
+          <a:lstStyle/>
+          <a:p>
+            <a:pPr marL="285750" indent="-285750">
+              <a:buFont typeface="Arial" panose="020B0604020202020204" pitchFamily="34" charset="0"/>
+              <a:buChar char="•"/>
+            </a:pPr>
+            <a:r>
+              <a:rPr lang="en-US" sz="2000" dirty="0"/>
+              <a:t>Tested out tuning parameters - changed alpha, polynomial features</a:t>
+            </a:r>
+          </a:p>
+        </p:txBody>
+      </p:sp>
+      <p:sp>
+        <p:nvSpPr>
+          <p:cNvPr id="14" name="TextBox 13">
+            <a:extLst>
+              <a:ext uri="{FF2B5EF4-FFF2-40B4-BE49-F238E27FC236}">
+                <a16:creationId xmlns:a16="http://schemas.microsoft.com/office/drawing/2014/main" id="{97719AD4-7157-E84F-9C5F-671A28A7FF2E}"/>
+              </a:ext>
+            </a:extLst>
+          </p:cNvPr>
+          <p:cNvSpPr txBox="1"/>
+          <p:nvPr/>
+        </p:nvSpPr>
+        <p:spPr>
+          <a:xfrm>
+            <a:off x="1024298" y="2624086"/>
+            <a:ext cx="5243971" cy="400110"/>
+          </a:xfrm>
+          <a:prstGeom prst="rect">
+            <a:avLst/>
+          </a:prstGeom>
+          <a:noFill/>
+        </p:spPr>
+        <p:txBody>
+          <a:bodyPr wrap="square" rtlCol="0">
+            <a:spAutoFit/>
+          </a:bodyPr>
+          <a:lstStyle/>
+          <a:p>
+            <a:pPr marL="285750" indent="-285750">
+              <a:buFont typeface="Arial" panose="020B0604020202020204" pitchFamily="34" charset="0"/>
+              <a:buChar char="•"/>
+            </a:pPr>
+            <a:r>
+              <a:rPr lang="en-US" sz="2000" dirty="0"/>
+              <a:t>Performed Cross Validation</a:t>
+            </a:r>
+          </a:p>
+        </p:txBody>
+      </p:sp>
+      <p:sp>
+        <p:nvSpPr>
+          <p:cNvPr id="15" name="TextBox 14">
+            <a:extLst>
+              <a:ext uri="{FF2B5EF4-FFF2-40B4-BE49-F238E27FC236}">
+                <a16:creationId xmlns:a16="http://schemas.microsoft.com/office/drawing/2014/main" id="{D309347E-9061-1C47-A0DC-6A941BCD4361}"/>
+              </a:ext>
+            </a:extLst>
+          </p:cNvPr>
+          <p:cNvSpPr txBox="1"/>
+          <p:nvPr/>
+        </p:nvSpPr>
+        <p:spPr>
+          <a:xfrm>
+            <a:off x="1064646" y="4451686"/>
+            <a:ext cx="7457094" cy="400110"/>
+          </a:xfrm>
+          <a:prstGeom prst="rect">
+            <a:avLst/>
+          </a:prstGeom>
+          <a:noFill/>
+        </p:spPr>
+        <p:txBody>
+          <a:bodyPr wrap="square" rtlCol="0">
+            <a:spAutoFit/>
+          </a:bodyPr>
+          <a:lstStyle/>
+          <a:p>
+            <a:pPr marL="285750" indent="-285750">
+              <a:buFont typeface="Arial" panose="020B0604020202020204" pitchFamily="34" charset="0"/>
+              <a:buChar char="•"/>
+            </a:pPr>
+            <a:r>
+              <a:rPr lang="en-US" sz="2000" dirty="0"/>
+              <a:t>Looked into additional feature creation</a:t>
+            </a:r>
+          </a:p>
+        </p:txBody>
+      </p:sp>
       <p:pic>
         <p:nvPicPr>
           <p:cNvPr id="6" name="Picture 5">
@@ -4787,7 +5095,7 @@
         </p:blipFill>
         <p:spPr>
           <a:xfrm>
-            <a:off x="2197100" y="1591941"/>
+            <a:off x="1064646" y="1366359"/>
             <a:ext cx="7797800" cy="3378200"/>
           </a:xfrm>
           <a:prstGeom prst="rect">
@@ -4795,314 +5103,6 @@
           </a:prstGeom>
         </p:spPr>
       </p:pic>
-      <p:sp>
-        <p:nvSpPr>
-          <p:cNvPr id="8" name="TextBox 7">
-            <a:extLst>
-              <a:ext uri="{FF2B5EF4-FFF2-40B4-BE49-F238E27FC236}">
-                <a16:creationId xmlns:a16="http://schemas.microsoft.com/office/drawing/2014/main" id="{95EEDEBF-3D00-934F-A0B3-D26929877286}"/>
-              </a:ext>
-            </a:extLst>
-          </p:cNvPr>
-          <p:cNvSpPr txBox="1"/>
-          <p:nvPr/>
-        </p:nvSpPr>
-        <p:spPr>
-          <a:xfrm>
-            <a:off x="1024299" y="1709706"/>
-            <a:ext cx="5243971" cy="400110"/>
-          </a:xfrm>
-          <a:prstGeom prst="rect">
-            <a:avLst/>
-          </a:prstGeom>
-          <a:noFill/>
-        </p:spPr>
-        <p:txBody>
-          <a:bodyPr wrap="square" rtlCol="0">
-            <a:spAutoFit/>
-          </a:bodyPr>
-          <a:lstStyle/>
-          <a:p>
-            <a:pPr marL="285750" indent="-285750">
-              <a:buFont typeface="Arial" panose="020B0604020202020204" pitchFamily="34" charset="0"/>
-              <a:buChar char="•"/>
-            </a:pPr>
-            <a:r>
-              <a:rPr lang="en-US" sz="2000" dirty="0"/>
-              <a:t>Took the log of our y-variable (Sale Price)</a:t>
-            </a:r>
-          </a:p>
-        </p:txBody>
-      </p:sp>
-      <p:sp>
-        <p:nvSpPr>
-          <p:cNvPr id="9" name="TextBox 8">
-            <a:extLst>
-              <a:ext uri="{FF2B5EF4-FFF2-40B4-BE49-F238E27FC236}">
-                <a16:creationId xmlns:a16="http://schemas.microsoft.com/office/drawing/2014/main" id="{9BE518BD-8060-B44D-BA0A-D29D5E1A2D05}"/>
-              </a:ext>
-            </a:extLst>
-          </p:cNvPr>
-          <p:cNvSpPr txBox="1"/>
-          <p:nvPr/>
-        </p:nvSpPr>
-        <p:spPr>
-          <a:xfrm>
-            <a:off x="1024298" y="2167186"/>
-            <a:ext cx="5243971" cy="400110"/>
-          </a:xfrm>
-          <a:prstGeom prst="rect">
-            <a:avLst/>
-          </a:prstGeom>
-          <a:noFill/>
-        </p:spPr>
-        <p:txBody>
-          <a:bodyPr wrap="square" rtlCol="0">
-            <a:spAutoFit/>
-          </a:bodyPr>
-          <a:lstStyle/>
-          <a:p>
-            <a:pPr marL="285750" indent="-285750">
-              <a:buFont typeface="Arial" panose="020B0604020202020204" pitchFamily="34" charset="0"/>
-              <a:buChar char="•"/>
-            </a:pPr>
-            <a:r>
-              <a:rPr lang="en-US" sz="2000" dirty="0"/>
-              <a:t>Fit a linear regression </a:t>
-            </a:r>
-          </a:p>
-        </p:txBody>
-      </p:sp>
-      <p:sp>
-        <p:nvSpPr>
-          <p:cNvPr id="10" name="TextBox 9">
-            <a:extLst>
-              <a:ext uri="{FF2B5EF4-FFF2-40B4-BE49-F238E27FC236}">
-                <a16:creationId xmlns:a16="http://schemas.microsoft.com/office/drawing/2014/main" id="{C79AD486-8BF6-7342-9F9A-452DAAA958EF}"/>
-              </a:ext>
-            </a:extLst>
-          </p:cNvPr>
-          <p:cNvSpPr txBox="1"/>
-          <p:nvPr/>
-        </p:nvSpPr>
-        <p:spPr>
-          <a:xfrm>
-            <a:off x="1024297" y="3080986"/>
-            <a:ext cx="5243971" cy="400110"/>
-          </a:xfrm>
-          <a:prstGeom prst="rect">
-            <a:avLst/>
-          </a:prstGeom>
-          <a:noFill/>
-        </p:spPr>
-        <p:txBody>
-          <a:bodyPr wrap="square" rtlCol="0">
-            <a:spAutoFit/>
-          </a:bodyPr>
-          <a:lstStyle/>
-          <a:p>
-            <a:pPr marL="285750" indent="-285750">
-              <a:buFont typeface="Arial" panose="020B0604020202020204" pitchFamily="34" charset="0"/>
-              <a:buChar char="•"/>
-            </a:pPr>
-            <a:r>
-              <a:rPr lang="en-US" sz="2000" dirty="0"/>
-              <a:t>Examined the residuals</a:t>
-            </a:r>
-          </a:p>
-        </p:txBody>
-      </p:sp>
-      <p:sp>
-        <p:nvSpPr>
-          <p:cNvPr id="11" name="TextBox 10">
-            <a:extLst>
-              <a:ext uri="{FF2B5EF4-FFF2-40B4-BE49-F238E27FC236}">
-                <a16:creationId xmlns:a16="http://schemas.microsoft.com/office/drawing/2014/main" id="{59C7D228-7F3C-5D4F-8CA0-E42048792435}"/>
-              </a:ext>
-            </a:extLst>
-          </p:cNvPr>
-          <p:cNvSpPr txBox="1"/>
-          <p:nvPr/>
-        </p:nvSpPr>
-        <p:spPr>
-          <a:xfrm>
-            <a:off x="1024296" y="3537886"/>
-            <a:ext cx="5243971" cy="400110"/>
-          </a:xfrm>
-          <a:prstGeom prst="rect">
-            <a:avLst/>
-          </a:prstGeom>
-          <a:noFill/>
-        </p:spPr>
-        <p:txBody>
-          <a:bodyPr wrap="square" rtlCol="0">
-            <a:spAutoFit/>
-          </a:bodyPr>
-          <a:lstStyle/>
-          <a:p>
-            <a:pPr marL="285750" indent="-285750">
-              <a:buFont typeface="Arial" panose="020B0604020202020204" pitchFamily="34" charset="0"/>
-              <a:buChar char="•"/>
-            </a:pPr>
-            <a:r>
-              <a:rPr lang="en-US" sz="2000" dirty="0"/>
-              <a:t>Fit a LASSO &amp; Ridge Regression models</a:t>
-            </a:r>
-          </a:p>
-        </p:txBody>
-      </p:sp>
-      <p:sp>
-        <p:nvSpPr>
-          <p:cNvPr id="7" name="TextBox 6">
-            <a:extLst>
-              <a:ext uri="{FF2B5EF4-FFF2-40B4-BE49-F238E27FC236}">
-                <a16:creationId xmlns:a16="http://schemas.microsoft.com/office/drawing/2014/main" id="{C2E30D19-7094-4B47-91CB-A4D88449B72E}"/>
-              </a:ext>
-            </a:extLst>
-          </p:cNvPr>
-          <p:cNvSpPr txBox="1"/>
-          <p:nvPr/>
-        </p:nvSpPr>
-        <p:spPr>
-          <a:xfrm>
-            <a:off x="8481389" y="446149"/>
-            <a:ext cx="2743201" cy="369332"/>
-          </a:xfrm>
-          <a:prstGeom prst="rect">
-            <a:avLst/>
-          </a:prstGeom>
-          <a:noFill/>
-        </p:spPr>
-        <p:txBody>
-          <a:bodyPr wrap="square" rtlCol="0">
-            <a:spAutoFit/>
-          </a:bodyPr>
-          <a:lstStyle/>
-          <a:p>
-            <a:r>
-              <a:rPr lang="en-US" dirty="0"/>
-              <a:t>Baseline Est. = $181,469.70</a:t>
-            </a:r>
-          </a:p>
-        </p:txBody>
-      </p:sp>
-      <p:sp>
-        <p:nvSpPr>
-          <p:cNvPr id="13" name="TextBox 12">
-            <a:extLst>
-              <a:ext uri="{FF2B5EF4-FFF2-40B4-BE49-F238E27FC236}">
-                <a16:creationId xmlns:a16="http://schemas.microsoft.com/office/drawing/2014/main" id="{B1198B06-478B-524F-BEE1-025E87ABB6BD}"/>
-              </a:ext>
-            </a:extLst>
-          </p:cNvPr>
-          <p:cNvSpPr txBox="1"/>
-          <p:nvPr/>
-        </p:nvSpPr>
-        <p:spPr>
-          <a:xfrm>
-            <a:off x="1024295" y="3994786"/>
-            <a:ext cx="7457094" cy="400110"/>
-          </a:xfrm>
-          <a:prstGeom prst="rect">
-            <a:avLst/>
-          </a:prstGeom>
-          <a:noFill/>
-        </p:spPr>
-        <p:txBody>
-          <a:bodyPr wrap="square" rtlCol="0">
-            <a:spAutoFit/>
-          </a:bodyPr>
-          <a:lstStyle/>
-          <a:p>
-            <a:pPr marL="285750" indent="-285750">
-              <a:buFont typeface="Arial" panose="020B0604020202020204" pitchFamily="34" charset="0"/>
-              <a:buChar char="•"/>
-            </a:pPr>
-            <a:r>
-              <a:rPr lang="en-US" sz="2000" dirty="0"/>
-              <a:t>Tested out tuning parameters - changed alpha, polynomial features</a:t>
-            </a:r>
-          </a:p>
-        </p:txBody>
-      </p:sp>
-      <p:sp>
-        <p:nvSpPr>
-          <p:cNvPr id="14" name="TextBox 13">
-            <a:extLst>
-              <a:ext uri="{FF2B5EF4-FFF2-40B4-BE49-F238E27FC236}">
-                <a16:creationId xmlns:a16="http://schemas.microsoft.com/office/drawing/2014/main" id="{97719AD4-7157-E84F-9C5F-671A28A7FF2E}"/>
-              </a:ext>
-            </a:extLst>
-          </p:cNvPr>
-          <p:cNvSpPr txBox="1"/>
-          <p:nvPr/>
-        </p:nvSpPr>
-        <p:spPr>
-          <a:xfrm>
-            <a:off x="1024298" y="2624086"/>
-            <a:ext cx="5243971" cy="400110"/>
-          </a:xfrm>
-          <a:prstGeom prst="rect">
-            <a:avLst/>
-          </a:prstGeom>
-          <a:noFill/>
-        </p:spPr>
-        <p:txBody>
-          <a:bodyPr wrap="square" rtlCol="0">
-            <a:spAutoFit/>
-          </a:bodyPr>
-          <a:lstStyle/>
-          <a:p>
-            <a:pPr marL="285750" indent="-285750">
-              <a:buFont typeface="Arial" panose="020B0604020202020204" pitchFamily="34" charset="0"/>
-              <a:buChar char="•"/>
-            </a:pPr>
-            <a:r>
-              <a:rPr lang="en-US" sz="2000" dirty="0"/>
-              <a:t>Performed Cross Validation</a:t>
-            </a:r>
-          </a:p>
-        </p:txBody>
-      </p:sp>
-      <p:sp>
-        <p:nvSpPr>
-          <p:cNvPr id="15" name="TextBox 14">
-            <a:extLst>
-              <a:ext uri="{FF2B5EF4-FFF2-40B4-BE49-F238E27FC236}">
-                <a16:creationId xmlns:a16="http://schemas.microsoft.com/office/drawing/2014/main" id="{D309347E-9061-1C47-A0DC-6A941BCD4361}"/>
-              </a:ext>
-            </a:extLst>
-          </p:cNvPr>
-          <p:cNvSpPr txBox="1"/>
-          <p:nvPr/>
-        </p:nvSpPr>
-        <p:spPr>
-          <a:xfrm>
-            <a:off x="1064646" y="4451686"/>
-            <a:ext cx="7457094" cy="400110"/>
-          </a:xfrm>
-          <a:prstGeom prst="rect">
-            <a:avLst/>
-          </a:prstGeom>
-          <a:noFill/>
-        </p:spPr>
-        <p:txBody>
-          <a:bodyPr wrap="square" rtlCol="0">
-            <a:spAutoFit/>
-          </a:bodyPr>
-          <a:lstStyle/>
-          <a:p>
-            <a:pPr marL="285750" indent="-285750">
-              <a:buFont typeface="Arial" panose="020B0604020202020204" pitchFamily="34" charset="0"/>
-              <a:buChar char="•"/>
-            </a:pPr>
-            <a:r>
-              <a:rPr lang="en-US" sz="2000" dirty="0"/>
-              <a:t>Looked into additional feature creation</a:t>
-            </a:r>
-          </a:p>
-        </p:txBody>
-      </p:sp>
     </p:spTree>
     <p:extLst>
       <p:ext uri="{BB962C8B-B14F-4D97-AF65-F5344CB8AC3E}">
@@ -5889,7 +5889,7 @@
           <p:cNvPr id="2" name="Footer Placeholder 1">
             <a:extLst>
               <a:ext uri="{FF2B5EF4-FFF2-40B4-BE49-F238E27FC236}">
-                <a16:creationId xmlns:a16="http://schemas.microsoft.com/office/drawing/2014/main" id="{6625DA1B-85D1-4949-BCBC-AB41FC31D954}"/>
+                <a16:creationId xmlns:a16="http://schemas.microsoft.com/office/drawing/2014/main" id="{8D940C59-D6A9-5448-A8BB-A791F53C2AA9}"/>
               </a:ext>
             </a:extLst>
           </p:cNvPr>
@@ -5913,10 +5913,1131 @@
           </a:p>
         </p:txBody>
       </p:sp>
+      <p:sp>
+        <p:nvSpPr>
+          <p:cNvPr id="3" name="TextBox 2">
+            <a:extLst>
+              <a:ext uri="{FF2B5EF4-FFF2-40B4-BE49-F238E27FC236}">
+                <a16:creationId xmlns:a16="http://schemas.microsoft.com/office/drawing/2014/main" id="{D82A1205-BDB4-9549-B5C8-84DEFD860C41}"/>
+              </a:ext>
+            </a:extLst>
+          </p:cNvPr>
+          <p:cNvSpPr txBox="1"/>
+          <p:nvPr/>
+        </p:nvSpPr>
+        <p:spPr>
+          <a:xfrm>
+            <a:off x="1723500" y="348342"/>
+            <a:ext cx="6725816" cy="707886"/>
+          </a:xfrm>
+          <a:prstGeom prst="rect">
+            <a:avLst/>
+          </a:prstGeom>
+          <a:noFill/>
+        </p:spPr>
+        <p:txBody>
+          <a:bodyPr wrap="none" rtlCol="0">
+            <a:spAutoFit/>
+          </a:bodyPr>
+          <a:lstStyle/>
+          <a:p>
+            <a:r>
+              <a:rPr lang="en-US" sz="4000" dirty="0">
+                <a:latin typeface="Calibri" panose="020F0502020204030204" pitchFamily="34" charset="0"/>
+                <a:cs typeface="Calibri" panose="020F0502020204030204" pitchFamily="34" charset="0"/>
+              </a:rPr>
+              <a:t>Recommendations: What now?</a:t>
+            </a:r>
+          </a:p>
+        </p:txBody>
+      </p:sp>
+      <p:sp>
+        <p:nvSpPr>
+          <p:cNvPr id="4" name="TextBox 3">
+            <a:extLst>
+              <a:ext uri="{FF2B5EF4-FFF2-40B4-BE49-F238E27FC236}">
+                <a16:creationId xmlns:a16="http://schemas.microsoft.com/office/drawing/2014/main" id="{5423B318-DFD4-1849-A07D-CE0283666BA5}"/>
+              </a:ext>
+            </a:extLst>
+          </p:cNvPr>
+          <p:cNvSpPr txBox="1"/>
+          <p:nvPr/>
+        </p:nvSpPr>
+        <p:spPr>
+          <a:xfrm>
+            <a:off x="1360715" y="1284514"/>
+            <a:ext cx="4574201" cy="523220"/>
+          </a:xfrm>
+          <a:prstGeom prst="rect">
+            <a:avLst/>
+          </a:prstGeom>
+          <a:noFill/>
+        </p:spPr>
+        <p:txBody>
+          <a:bodyPr wrap="none" rtlCol="0">
+            <a:spAutoFit/>
+          </a:bodyPr>
+          <a:lstStyle/>
+          <a:p>
+            <a:r>
+              <a:rPr lang="en-US" sz="2800" dirty="0"/>
+              <a:t>Where does value come from:</a:t>
+            </a:r>
+          </a:p>
+        </p:txBody>
+      </p:sp>
+      <p:sp>
+        <p:nvSpPr>
+          <p:cNvPr id="5" name="TextBox 4">
+            <a:extLst>
+              <a:ext uri="{FF2B5EF4-FFF2-40B4-BE49-F238E27FC236}">
+                <a16:creationId xmlns:a16="http://schemas.microsoft.com/office/drawing/2014/main" id="{3A2EF2CC-45FE-F047-B5D6-290A498038F6}"/>
+              </a:ext>
+            </a:extLst>
+          </p:cNvPr>
+          <p:cNvSpPr txBox="1"/>
+          <p:nvPr/>
+        </p:nvSpPr>
+        <p:spPr>
+          <a:xfrm>
+            <a:off x="1504262" y="2072349"/>
+            <a:ext cx="3686715" cy="461665"/>
+          </a:xfrm>
+          <a:prstGeom prst="rect">
+            <a:avLst/>
+          </a:prstGeom>
+          <a:noFill/>
+        </p:spPr>
+        <p:txBody>
+          <a:bodyPr wrap="none" rtlCol="0">
+            <a:spAutoFit/>
+          </a:bodyPr>
+          <a:lstStyle/>
+          <a:p>
+            <a:pPr marL="285750" indent="-285750">
+              <a:buFont typeface="Arial" panose="020B0604020202020204" pitchFamily="34" charset="0"/>
+              <a:buChar char="•"/>
+            </a:pPr>
+            <a:r>
+              <a:rPr lang="en-US" sz="2400" dirty="0"/>
+              <a:t>Above Ground Living Area</a:t>
+            </a:r>
+          </a:p>
+        </p:txBody>
+      </p:sp>
+      <p:sp>
+        <p:nvSpPr>
+          <p:cNvPr id="6" name="TextBox 5">
+            <a:extLst>
+              <a:ext uri="{FF2B5EF4-FFF2-40B4-BE49-F238E27FC236}">
+                <a16:creationId xmlns:a16="http://schemas.microsoft.com/office/drawing/2014/main" id="{5789E034-AADB-F047-B860-9D7CD4A9CABD}"/>
+              </a:ext>
+            </a:extLst>
+          </p:cNvPr>
+          <p:cNvSpPr txBox="1"/>
+          <p:nvPr/>
+        </p:nvSpPr>
+        <p:spPr>
+          <a:xfrm>
+            <a:off x="1504262" y="2493689"/>
+            <a:ext cx="2324995" cy="461665"/>
+          </a:xfrm>
+          <a:prstGeom prst="rect">
+            <a:avLst/>
+          </a:prstGeom>
+          <a:noFill/>
+        </p:spPr>
+        <p:txBody>
+          <a:bodyPr wrap="none" rtlCol="0">
+            <a:spAutoFit/>
+          </a:bodyPr>
+          <a:lstStyle/>
+          <a:p>
+            <a:pPr marL="285750" indent="-285750">
+              <a:buFont typeface="Arial" panose="020B0604020202020204" pitchFamily="34" charset="0"/>
+              <a:buChar char="•"/>
+            </a:pPr>
+            <a:r>
+              <a:rPr lang="en-US" sz="2400" dirty="0"/>
+              <a:t>Overall Quality</a:t>
+            </a:r>
+          </a:p>
+        </p:txBody>
+      </p:sp>
+      <p:sp>
+        <p:nvSpPr>
+          <p:cNvPr id="7" name="TextBox 6">
+            <a:extLst>
+              <a:ext uri="{FF2B5EF4-FFF2-40B4-BE49-F238E27FC236}">
+                <a16:creationId xmlns:a16="http://schemas.microsoft.com/office/drawing/2014/main" id="{7E2A3A5A-1C01-DB4C-8A82-574256F05C99}"/>
+              </a:ext>
+            </a:extLst>
+          </p:cNvPr>
+          <p:cNvSpPr txBox="1"/>
+          <p:nvPr/>
+        </p:nvSpPr>
+        <p:spPr>
+          <a:xfrm>
+            <a:off x="1504262" y="2915029"/>
+            <a:ext cx="2722990" cy="1292662"/>
+          </a:xfrm>
+          <a:prstGeom prst="rect">
+            <a:avLst/>
+          </a:prstGeom>
+          <a:noFill/>
+        </p:spPr>
+        <p:txBody>
+          <a:bodyPr wrap="none" rtlCol="0">
+            <a:spAutoFit/>
+          </a:bodyPr>
+          <a:lstStyle/>
+          <a:p>
+            <a:pPr marL="285750" indent="-285750">
+              <a:buFont typeface="Arial" panose="020B0604020202020204" pitchFamily="34" charset="0"/>
+              <a:buChar char="•"/>
+            </a:pPr>
+            <a:r>
+              <a:rPr lang="en-US" sz="2400" dirty="0"/>
+              <a:t>Neighborhood:</a:t>
+            </a:r>
+          </a:p>
+          <a:p>
+            <a:pPr marL="742950" lvl="1" indent="-285750">
+              <a:buFont typeface="Arial" panose="020B0604020202020204" pitchFamily="34" charset="0"/>
+              <a:buChar char="•"/>
+            </a:pPr>
+            <a:r>
+              <a:rPr lang="en-US" dirty="0"/>
+              <a:t>Stone Brook</a:t>
+            </a:r>
+          </a:p>
+          <a:p>
+            <a:pPr marL="742950" lvl="1" indent="-285750">
+              <a:buFont typeface="Arial" panose="020B0604020202020204" pitchFamily="34" charset="0"/>
+              <a:buChar char="•"/>
+            </a:pPr>
+            <a:r>
+              <a:rPr lang="en-US" dirty="0"/>
+              <a:t>Northridge</a:t>
+            </a:r>
+          </a:p>
+          <a:p>
+            <a:pPr marL="742950" lvl="1" indent="-285750">
+              <a:buFont typeface="Arial" panose="020B0604020202020204" pitchFamily="34" charset="0"/>
+              <a:buChar char="•"/>
+            </a:pPr>
+            <a:r>
+              <a:rPr lang="en-US" dirty="0"/>
+              <a:t>Northridge Heights</a:t>
+            </a:r>
+          </a:p>
+        </p:txBody>
+      </p:sp>
+      <p:sp>
+        <p:nvSpPr>
+          <p:cNvPr id="8" name="TextBox 7">
+            <a:extLst>
+              <a:ext uri="{FF2B5EF4-FFF2-40B4-BE49-F238E27FC236}">
+                <a16:creationId xmlns:a16="http://schemas.microsoft.com/office/drawing/2014/main" id="{FC3CEF87-E5E8-5B4A-8C6E-D85602120682}"/>
+              </a:ext>
+            </a:extLst>
+          </p:cNvPr>
+          <p:cNvSpPr txBox="1"/>
+          <p:nvPr/>
+        </p:nvSpPr>
+        <p:spPr>
+          <a:xfrm>
+            <a:off x="1504262" y="4274901"/>
+            <a:ext cx="3574633" cy="461665"/>
+          </a:xfrm>
+          <a:prstGeom prst="rect">
+            <a:avLst/>
+          </a:prstGeom>
+          <a:noFill/>
+        </p:spPr>
+        <p:txBody>
+          <a:bodyPr wrap="none" rtlCol="0">
+            <a:spAutoFit/>
+          </a:bodyPr>
+          <a:lstStyle/>
+          <a:p>
+            <a:pPr marL="285750" indent="-285750">
+              <a:buFont typeface="Arial" panose="020B0604020202020204" pitchFamily="34" charset="0"/>
+              <a:buChar char="•"/>
+            </a:pPr>
+            <a:r>
+              <a:rPr lang="en-US" sz="2400" dirty="0"/>
+              <a:t>Adding to or Remodeling</a:t>
+            </a:r>
+          </a:p>
+        </p:txBody>
+      </p:sp>
+      <p:sp>
+        <p:nvSpPr>
+          <p:cNvPr id="9" name="TextBox 8">
+            <a:extLst>
+              <a:ext uri="{FF2B5EF4-FFF2-40B4-BE49-F238E27FC236}">
+                <a16:creationId xmlns:a16="http://schemas.microsoft.com/office/drawing/2014/main" id="{E4F939B1-36C4-FC48-95F8-30619EF9BF56}"/>
+              </a:ext>
+            </a:extLst>
+          </p:cNvPr>
+          <p:cNvSpPr txBox="1"/>
+          <p:nvPr/>
+        </p:nvSpPr>
+        <p:spPr>
+          <a:xfrm>
+            <a:off x="6807263" y="2072349"/>
+            <a:ext cx="3889142" cy="461665"/>
+          </a:xfrm>
+          <a:prstGeom prst="rect">
+            <a:avLst/>
+          </a:prstGeom>
+          <a:noFill/>
+        </p:spPr>
+        <p:txBody>
+          <a:bodyPr wrap="none" rtlCol="0">
+            <a:spAutoFit/>
+          </a:bodyPr>
+          <a:lstStyle/>
+          <a:p>
+            <a:pPr marL="285750" indent="-285750">
+              <a:buFont typeface="Arial" panose="020B0604020202020204" pitchFamily="34" charset="0"/>
+              <a:buChar char="•"/>
+            </a:pPr>
+            <a:r>
+              <a:rPr lang="en-US" sz="2400" dirty="0"/>
+              <a:t>Fairly representative model</a:t>
+            </a:r>
+          </a:p>
+        </p:txBody>
+      </p:sp>
+      <p:sp>
+        <p:nvSpPr>
+          <p:cNvPr id="10" name="TextBox 9">
+            <a:extLst>
+              <a:ext uri="{FF2B5EF4-FFF2-40B4-BE49-F238E27FC236}">
+                <a16:creationId xmlns:a16="http://schemas.microsoft.com/office/drawing/2014/main" id="{B258F127-F2C5-CF4B-8267-694A1698C7AB}"/>
+              </a:ext>
+            </a:extLst>
+          </p:cNvPr>
+          <p:cNvSpPr txBox="1"/>
+          <p:nvPr/>
+        </p:nvSpPr>
+        <p:spPr>
+          <a:xfrm>
+            <a:off x="6807263" y="1284514"/>
+            <a:ext cx="3596434" cy="523220"/>
+          </a:xfrm>
+          <a:prstGeom prst="rect">
+            <a:avLst/>
+          </a:prstGeom>
+          <a:noFill/>
+        </p:spPr>
+        <p:txBody>
+          <a:bodyPr wrap="none" rtlCol="0">
+            <a:spAutoFit/>
+          </a:bodyPr>
+          <a:lstStyle/>
+          <a:p>
+            <a:r>
+              <a:rPr lang="en-US" sz="2800" dirty="0"/>
+              <a:t>Interpreting the model:</a:t>
+            </a:r>
+          </a:p>
+        </p:txBody>
+      </p:sp>
+      <p:sp>
+        <p:nvSpPr>
+          <p:cNvPr id="13" name="TextBox 12">
+            <a:extLst>
+              <a:ext uri="{FF2B5EF4-FFF2-40B4-BE49-F238E27FC236}">
+                <a16:creationId xmlns:a16="http://schemas.microsoft.com/office/drawing/2014/main" id="{1282DA9C-26E4-4D43-A49D-2CDB2DF0CCA7}"/>
+              </a:ext>
+            </a:extLst>
+          </p:cNvPr>
+          <p:cNvSpPr txBox="1"/>
+          <p:nvPr/>
+        </p:nvSpPr>
+        <p:spPr>
+          <a:xfrm>
+            <a:off x="6832709" y="2490692"/>
+            <a:ext cx="3757054" cy="461665"/>
+          </a:xfrm>
+          <a:prstGeom prst="rect">
+            <a:avLst/>
+          </a:prstGeom>
+          <a:noFill/>
+        </p:spPr>
+        <p:txBody>
+          <a:bodyPr wrap="none" rtlCol="0">
+            <a:spAutoFit/>
+          </a:bodyPr>
+          <a:lstStyle/>
+          <a:p>
+            <a:pPr marL="285750" indent="-285750">
+              <a:buFont typeface="Arial" panose="020B0604020202020204" pitchFamily="34" charset="0"/>
+              <a:buChar char="•"/>
+            </a:pPr>
+            <a:r>
+              <a:rPr lang="en-US" sz="2400" dirty="0"/>
+              <a:t>Age of home? Pos or Neg?</a:t>
+            </a:r>
+          </a:p>
+        </p:txBody>
+      </p:sp>
+      <p:sp>
+        <p:nvSpPr>
+          <p:cNvPr id="14" name="TextBox 13">
+            <a:extLst>
+              <a:ext uri="{FF2B5EF4-FFF2-40B4-BE49-F238E27FC236}">
+                <a16:creationId xmlns:a16="http://schemas.microsoft.com/office/drawing/2014/main" id="{15D647E0-3192-4544-A978-A037623921BE}"/>
+              </a:ext>
+            </a:extLst>
+          </p:cNvPr>
+          <p:cNvSpPr txBox="1"/>
+          <p:nvPr/>
+        </p:nvSpPr>
+        <p:spPr>
+          <a:xfrm>
+            <a:off x="6832709" y="2909035"/>
+            <a:ext cx="4660443" cy="461665"/>
+          </a:xfrm>
+          <a:prstGeom prst="rect">
+            <a:avLst/>
+          </a:prstGeom>
+          <a:noFill/>
+        </p:spPr>
+        <p:txBody>
+          <a:bodyPr wrap="none" rtlCol="0">
+            <a:spAutoFit/>
+          </a:bodyPr>
+          <a:lstStyle/>
+          <a:p>
+            <a:pPr marL="285750" indent="-285750">
+              <a:buFont typeface="Arial" panose="020B0604020202020204" pitchFamily="34" charset="0"/>
+              <a:buChar char="•"/>
+            </a:pPr>
+            <a:r>
+              <a:rPr lang="en-US" sz="2400" dirty="0"/>
+              <a:t>Represents: 2006-2010 but after?</a:t>
+            </a:r>
+          </a:p>
+        </p:txBody>
+      </p:sp>
+      <p:sp>
+        <p:nvSpPr>
+          <p:cNvPr id="16" name="TextBox 15">
+            <a:extLst>
+              <a:ext uri="{FF2B5EF4-FFF2-40B4-BE49-F238E27FC236}">
+                <a16:creationId xmlns:a16="http://schemas.microsoft.com/office/drawing/2014/main" id="{5D9A5F33-7709-2448-AF4D-95128E186D28}"/>
+              </a:ext>
+            </a:extLst>
+          </p:cNvPr>
+          <p:cNvSpPr txBox="1"/>
+          <p:nvPr/>
+        </p:nvSpPr>
+        <p:spPr>
+          <a:xfrm>
+            <a:off x="1495595" y="4803776"/>
+            <a:ext cx="2551339" cy="461665"/>
+          </a:xfrm>
+          <a:prstGeom prst="rect">
+            <a:avLst/>
+          </a:prstGeom>
+          <a:noFill/>
+        </p:spPr>
+        <p:txBody>
+          <a:bodyPr wrap="none" rtlCol="0">
+            <a:spAutoFit/>
+          </a:bodyPr>
+          <a:lstStyle/>
+          <a:p>
+            <a:pPr marL="285750" indent="-285750">
+              <a:buFont typeface="Arial" panose="020B0604020202020204" pitchFamily="34" charset="0"/>
+              <a:buChar char="•"/>
+            </a:pPr>
+            <a:r>
+              <a:rPr lang="en-US" sz="2400" dirty="0"/>
+              <a:t>Age of the home</a:t>
+            </a:r>
+          </a:p>
+        </p:txBody>
+      </p:sp>
+      <p:sp>
+        <p:nvSpPr>
+          <p:cNvPr id="17" name="TextBox 16">
+            <a:extLst>
+              <a:ext uri="{FF2B5EF4-FFF2-40B4-BE49-F238E27FC236}">
+                <a16:creationId xmlns:a16="http://schemas.microsoft.com/office/drawing/2014/main" id="{50BF05AB-3762-844E-9720-1BF0AE65FA27}"/>
+              </a:ext>
+            </a:extLst>
+          </p:cNvPr>
+          <p:cNvSpPr txBox="1"/>
+          <p:nvPr/>
+        </p:nvSpPr>
+        <p:spPr>
+          <a:xfrm>
+            <a:off x="6807263" y="3370700"/>
+            <a:ext cx="3372333" cy="461665"/>
+          </a:xfrm>
+          <a:prstGeom prst="rect">
+            <a:avLst/>
+          </a:prstGeom>
+          <a:noFill/>
+        </p:spPr>
+        <p:txBody>
+          <a:bodyPr wrap="none" rtlCol="0">
+            <a:spAutoFit/>
+          </a:bodyPr>
+          <a:lstStyle/>
+          <a:p>
+            <a:pPr marL="285750" indent="-285750">
+              <a:buFont typeface="Arial" panose="020B0604020202020204" pitchFamily="34" charset="0"/>
+              <a:buChar char="•"/>
+            </a:pPr>
+            <a:r>
+              <a:rPr lang="en-US" sz="2400" dirty="0"/>
+              <a:t>Want more recent data</a:t>
+            </a:r>
+          </a:p>
+        </p:txBody>
+      </p:sp>
     </p:spTree>
     <p:extLst>
       <p:ext uri="{BB962C8B-B14F-4D97-AF65-F5344CB8AC3E}">
-        <p14:creationId xmlns:p14="http://schemas.microsoft.com/office/powerpoint/2010/main" val="3545330041"/>
+        <p14:creationId xmlns:p14="http://schemas.microsoft.com/office/powerpoint/2010/main" val="2370067765"/>
+      </p:ext>
+    </p:extLst>
+  </p:cSld>
+  <p:clrMapOvr>
+    <a:masterClrMapping/>
+  </p:clrMapOvr>
+  <p:timing>
+    <p:tnLst>
+      <p:par>
+        <p:cTn id="1" dur="indefinite" restart="never" nodeType="tmRoot">
+          <p:childTnLst>
+            <p:seq concurrent="1" nextAc="seek">
+              <p:cTn id="2" dur="indefinite" nodeType="mainSeq">
+                <p:childTnLst>
+                  <p:par>
+                    <p:cTn id="3" fill="hold">
+                      <p:stCondLst>
+                        <p:cond delay="indefinite"/>
+                      </p:stCondLst>
+                      <p:childTnLst>
+                        <p:par>
+                          <p:cTn id="4" fill="hold">
+                            <p:stCondLst>
+                              <p:cond delay="0"/>
+                            </p:stCondLst>
+                            <p:childTnLst>
+                              <p:par>
+                                <p:cTn id="5" presetID="1" presetClass="entr" presetSubtype="0" fill="hold" grpId="0" nodeType="clickEffect">
+                                  <p:stCondLst>
+                                    <p:cond delay="0"/>
+                                  </p:stCondLst>
+                                  <p:childTnLst>
+                                    <p:set>
+                                      <p:cBhvr>
+                                        <p:cTn id="6" dur="1" fill="hold">
+                                          <p:stCondLst>
+                                            <p:cond delay="0"/>
+                                          </p:stCondLst>
+                                        </p:cTn>
+                                        <p:tgtEl>
+                                          <p:spTgt spid="5"/>
+                                        </p:tgtEl>
+                                        <p:attrNameLst>
+                                          <p:attrName>style.visibility</p:attrName>
+                                        </p:attrNameLst>
+                                      </p:cBhvr>
+                                      <p:to>
+                                        <p:strVal val="visible"/>
+                                      </p:to>
+                                    </p:set>
+                                  </p:childTnLst>
+                                </p:cTn>
+                              </p:par>
+                            </p:childTnLst>
+                          </p:cTn>
+                        </p:par>
+                      </p:childTnLst>
+                    </p:cTn>
+                  </p:par>
+                  <p:par>
+                    <p:cTn id="7" fill="hold">
+                      <p:stCondLst>
+                        <p:cond delay="indefinite"/>
+                      </p:stCondLst>
+                      <p:childTnLst>
+                        <p:par>
+                          <p:cTn id="8" fill="hold">
+                            <p:stCondLst>
+                              <p:cond delay="0"/>
+                            </p:stCondLst>
+                            <p:childTnLst>
+                              <p:par>
+                                <p:cTn id="9" presetID="1" presetClass="entr" presetSubtype="0" fill="hold" grpId="0" nodeType="clickEffect">
+                                  <p:stCondLst>
+                                    <p:cond delay="0"/>
+                                  </p:stCondLst>
+                                  <p:childTnLst>
+                                    <p:set>
+                                      <p:cBhvr>
+                                        <p:cTn id="10" dur="1" fill="hold">
+                                          <p:stCondLst>
+                                            <p:cond delay="0"/>
+                                          </p:stCondLst>
+                                        </p:cTn>
+                                        <p:tgtEl>
+                                          <p:spTgt spid="6"/>
+                                        </p:tgtEl>
+                                        <p:attrNameLst>
+                                          <p:attrName>style.visibility</p:attrName>
+                                        </p:attrNameLst>
+                                      </p:cBhvr>
+                                      <p:to>
+                                        <p:strVal val="visible"/>
+                                      </p:to>
+                                    </p:set>
+                                  </p:childTnLst>
+                                </p:cTn>
+                              </p:par>
+                            </p:childTnLst>
+                          </p:cTn>
+                        </p:par>
+                      </p:childTnLst>
+                    </p:cTn>
+                  </p:par>
+                  <p:par>
+                    <p:cTn id="11" fill="hold">
+                      <p:stCondLst>
+                        <p:cond delay="indefinite"/>
+                      </p:stCondLst>
+                      <p:childTnLst>
+                        <p:par>
+                          <p:cTn id="12" fill="hold">
+                            <p:stCondLst>
+                              <p:cond delay="0"/>
+                            </p:stCondLst>
+                            <p:childTnLst>
+                              <p:par>
+                                <p:cTn id="13" presetID="1" presetClass="entr" presetSubtype="0" fill="hold" grpId="0" nodeType="clickEffect">
+                                  <p:stCondLst>
+                                    <p:cond delay="0"/>
+                                  </p:stCondLst>
+                                  <p:childTnLst>
+                                    <p:set>
+                                      <p:cBhvr>
+                                        <p:cTn id="14" dur="1" fill="hold">
+                                          <p:stCondLst>
+                                            <p:cond delay="0"/>
+                                          </p:stCondLst>
+                                        </p:cTn>
+                                        <p:tgtEl>
+                                          <p:spTgt spid="7"/>
+                                        </p:tgtEl>
+                                        <p:attrNameLst>
+                                          <p:attrName>style.visibility</p:attrName>
+                                        </p:attrNameLst>
+                                      </p:cBhvr>
+                                      <p:to>
+                                        <p:strVal val="visible"/>
+                                      </p:to>
+                                    </p:set>
+                                  </p:childTnLst>
+                                </p:cTn>
+                              </p:par>
+                            </p:childTnLst>
+                          </p:cTn>
+                        </p:par>
+                      </p:childTnLst>
+                    </p:cTn>
+                  </p:par>
+                  <p:par>
+                    <p:cTn id="15" fill="hold">
+                      <p:stCondLst>
+                        <p:cond delay="indefinite"/>
+                      </p:stCondLst>
+                      <p:childTnLst>
+                        <p:par>
+                          <p:cTn id="16" fill="hold">
+                            <p:stCondLst>
+                              <p:cond delay="0"/>
+                            </p:stCondLst>
+                            <p:childTnLst>
+                              <p:par>
+                                <p:cTn id="17" presetID="1" presetClass="entr" presetSubtype="0" fill="hold" grpId="0" nodeType="clickEffect">
+                                  <p:stCondLst>
+                                    <p:cond delay="0"/>
+                                  </p:stCondLst>
+                                  <p:childTnLst>
+                                    <p:set>
+                                      <p:cBhvr>
+                                        <p:cTn id="18" dur="1" fill="hold">
+                                          <p:stCondLst>
+                                            <p:cond delay="0"/>
+                                          </p:stCondLst>
+                                        </p:cTn>
+                                        <p:tgtEl>
+                                          <p:spTgt spid="8"/>
+                                        </p:tgtEl>
+                                        <p:attrNameLst>
+                                          <p:attrName>style.visibility</p:attrName>
+                                        </p:attrNameLst>
+                                      </p:cBhvr>
+                                      <p:to>
+                                        <p:strVal val="visible"/>
+                                      </p:to>
+                                    </p:set>
+                                  </p:childTnLst>
+                                </p:cTn>
+                              </p:par>
+                            </p:childTnLst>
+                          </p:cTn>
+                        </p:par>
+                      </p:childTnLst>
+                    </p:cTn>
+                  </p:par>
+                  <p:par>
+                    <p:cTn id="19" fill="hold">
+                      <p:stCondLst>
+                        <p:cond delay="indefinite"/>
+                      </p:stCondLst>
+                      <p:childTnLst>
+                        <p:par>
+                          <p:cTn id="20" fill="hold">
+                            <p:stCondLst>
+                              <p:cond delay="0"/>
+                            </p:stCondLst>
+                            <p:childTnLst>
+                              <p:par>
+                                <p:cTn id="21" presetID="1" presetClass="entr" presetSubtype="0" fill="hold" grpId="0" nodeType="clickEffect">
+                                  <p:stCondLst>
+                                    <p:cond delay="0"/>
+                                  </p:stCondLst>
+                                  <p:childTnLst>
+                                    <p:set>
+                                      <p:cBhvr>
+                                        <p:cTn id="22" dur="1" fill="hold">
+                                          <p:stCondLst>
+                                            <p:cond delay="0"/>
+                                          </p:stCondLst>
+                                        </p:cTn>
+                                        <p:tgtEl>
+                                          <p:spTgt spid="16"/>
+                                        </p:tgtEl>
+                                        <p:attrNameLst>
+                                          <p:attrName>style.visibility</p:attrName>
+                                        </p:attrNameLst>
+                                      </p:cBhvr>
+                                      <p:to>
+                                        <p:strVal val="visible"/>
+                                      </p:to>
+                                    </p:set>
+                                  </p:childTnLst>
+                                </p:cTn>
+                              </p:par>
+                            </p:childTnLst>
+                          </p:cTn>
+                        </p:par>
+                      </p:childTnLst>
+                    </p:cTn>
+                  </p:par>
+                  <p:par>
+                    <p:cTn id="23" fill="hold">
+                      <p:stCondLst>
+                        <p:cond delay="indefinite"/>
+                      </p:stCondLst>
+                      <p:childTnLst>
+                        <p:par>
+                          <p:cTn id="24" fill="hold">
+                            <p:stCondLst>
+                              <p:cond delay="0"/>
+                            </p:stCondLst>
+                            <p:childTnLst>
+                              <p:par>
+                                <p:cTn id="25" presetID="1" presetClass="entr" presetSubtype="0" fill="hold" grpId="0" nodeType="clickEffect">
+                                  <p:stCondLst>
+                                    <p:cond delay="0"/>
+                                  </p:stCondLst>
+                                  <p:childTnLst>
+                                    <p:set>
+                                      <p:cBhvr>
+                                        <p:cTn id="26" dur="1" fill="hold">
+                                          <p:stCondLst>
+                                            <p:cond delay="0"/>
+                                          </p:stCondLst>
+                                        </p:cTn>
+                                        <p:tgtEl>
+                                          <p:spTgt spid="9"/>
+                                        </p:tgtEl>
+                                        <p:attrNameLst>
+                                          <p:attrName>style.visibility</p:attrName>
+                                        </p:attrNameLst>
+                                      </p:cBhvr>
+                                      <p:to>
+                                        <p:strVal val="visible"/>
+                                      </p:to>
+                                    </p:set>
+                                  </p:childTnLst>
+                                </p:cTn>
+                              </p:par>
+                            </p:childTnLst>
+                          </p:cTn>
+                        </p:par>
+                      </p:childTnLst>
+                    </p:cTn>
+                  </p:par>
+                  <p:par>
+                    <p:cTn id="27" fill="hold">
+                      <p:stCondLst>
+                        <p:cond delay="indefinite"/>
+                      </p:stCondLst>
+                      <p:childTnLst>
+                        <p:par>
+                          <p:cTn id="28" fill="hold">
+                            <p:stCondLst>
+                              <p:cond delay="0"/>
+                            </p:stCondLst>
+                            <p:childTnLst>
+                              <p:par>
+                                <p:cTn id="29" presetID="1" presetClass="entr" presetSubtype="0" fill="hold" grpId="0" nodeType="clickEffect">
+                                  <p:stCondLst>
+                                    <p:cond delay="0"/>
+                                  </p:stCondLst>
+                                  <p:childTnLst>
+                                    <p:set>
+                                      <p:cBhvr>
+                                        <p:cTn id="30" dur="1" fill="hold">
+                                          <p:stCondLst>
+                                            <p:cond delay="0"/>
+                                          </p:stCondLst>
+                                        </p:cTn>
+                                        <p:tgtEl>
+                                          <p:spTgt spid="13"/>
+                                        </p:tgtEl>
+                                        <p:attrNameLst>
+                                          <p:attrName>style.visibility</p:attrName>
+                                        </p:attrNameLst>
+                                      </p:cBhvr>
+                                      <p:to>
+                                        <p:strVal val="visible"/>
+                                      </p:to>
+                                    </p:set>
+                                  </p:childTnLst>
+                                </p:cTn>
+                              </p:par>
+                            </p:childTnLst>
+                          </p:cTn>
+                        </p:par>
+                      </p:childTnLst>
+                    </p:cTn>
+                  </p:par>
+                  <p:par>
+                    <p:cTn id="31" fill="hold">
+                      <p:stCondLst>
+                        <p:cond delay="indefinite"/>
+                      </p:stCondLst>
+                      <p:childTnLst>
+                        <p:par>
+                          <p:cTn id="32" fill="hold">
+                            <p:stCondLst>
+                              <p:cond delay="0"/>
+                            </p:stCondLst>
+                            <p:childTnLst>
+                              <p:par>
+                                <p:cTn id="33" presetID="1" presetClass="entr" presetSubtype="0" fill="hold" grpId="0" nodeType="clickEffect">
+                                  <p:stCondLst>
+                                    <p:cond delay="0"/>
+                                  </p:stCondLst>
+                                  <p:childTnLst>
+                                    <p:set>
+                                      <p:cBhvr>
+                                        <p:cTn id="34" dur="1" fill="hold">
+                                          <p:stCondLst>
+                                            <p:cond delay="0"/>
+                                          </p:stCondLst>
+                                        </p:cTn>
+                                        <p:tgtEl>
+                                          <p:spTgt spid="14"/>
+                                        </p:tgtEl>
+                                        <p:attrNameLst>
+                                          <p:attrName>style.visibility</p:attrName>
+                                        </p:attrNameLst>
+                                      </p:cBhvr>
+                                      <p:to>
+                                        <p:strVal val="visible"/>
+                                      </p:to>
+                                    </p:set>
+                                  </p:childTnLst>
+                                </p:cTn>
+                              </p:par>
+                            </p:childTnLst>
+                          </p:cTn>
+                        </p:par>
+                      </p:childTnLst>
+                    </p:cTn>
+                  </p:par>
+                  <p:par>
+                    <p:cTn id="35" fill="hold">
+                      <p:stCondLst>
+                        <p:cond delay="indefinite"/>
+                      </p:stCondLst>
+                      <p:childTnLst>
+                        <p:par>
+                          <p:cTn id="36" fill="hold">
+                            <p:stCondLst>
+                              <p:cond delay="0"/>
+                            </p:stCondLst>
+                            <p:childTnLst>
+                              <p:par>
+                                <p:cTn id="37" presetID="1" presetClass="entr" presetSubtype="0" fill="hold" grpId="0" nodeType="clickEffect">
+                                  <p:stCondLst>
+                                    <p:cond delay="0"/>
+                                  </p:stCondLst>
+                                  <p:childTnLst>
+                                    <p:set>
+                                      <p:cBhvr>
+                                        <p:cTn id="38" dur="1" fill="hold">
+                                          <p:stCondLst>
+                                            <p:cond delay="0"/>
+                                          </p:stCondLst>
+                                        </p:cTn>
+                                        <p:tgtEl>
+                                          <p:spTgt spid="17"/>
+                                        </p:tgtEl>
+                                        <p:attrNameLst>
+                                          <p:attrName>style.visibility</p:attrName>
+                                        </p:attrNameLst>
+                                      </p:cBhvr>
+                                      <p:to>
+                                        <p:strVal val="visible"/>
+                                      </p:to>
+                                    </p:set>
+                                  </p:childTnLst>
+                                </p:cTn>
+                              </p:par>
+                            </p:childTnLst>
+                          </p:cTn>
+                        </p:par>
+                      </p:childTnLst>
+                    </p:cTn>
+                  </p:par>
+                </p:childTnLst>
+              </p:cTn>
+              <p:prevCondLst>
+                <p:cond evt="onPrev" delay="0">
+                  <p:tgtEl>
+                    <p:sldTgt/>
+                  </p:tgtEl>
+                </p:cond>
+              </p:prevCondLst>
+              <p:nextCondLst>
+                <p:cond evt="onNext" delay="0">
+                  <p:tgtEl>
+                    <p:sldTgt/>
+                  </p:tgtEl>
+                </p:cond>
+              </p:nextCondLst>
+            </p:seq>
+          </p:childTnLst>
+        </p:cTn>
+      </p:par>
+    </p:tnLst>
+    <p:bldLst>
+      <p:bldP spid="5" grpId="0"/>
+      <p:bldP spid="6" grpId="0"/>
+      <p:bldP spid="7" grpId="0"/>
+      <p:bldP spid="8" grpId="0"/>
+      <p:bldP spid="9" grpId="0"/>
+      <p:bldP spid="13" grpId="0"/>
+      <p:bldP spid="14" grpId="0"/>
+      <p:bldP spid="16" grpId="0"/>
+      <p:bldP spid="17" grpId="0"/>
+    </p:bldLst>
+  </p:timing>
+</p:sld>
+</file>
+
+<file path=ppt/slides/slide13.xml><?xml version="1.0" encoding="utf-8"?>
+<p:sld xmlns:a="http://schemas.openxmlformats.org/drawingml/2006/main" xmlns:r="http://schemas.openxmlformats.org/officeDocument/2006/relationships" xmlns:p="http://schemas.openxmlformats.org/presentationml/2006/main">
+  <p:cSld>
+    <p:spTree>
+      <p:nvGrpSpPr>
+        <p:cNvPr id="1" name=""/>
+        <p:cNvGrpSpPr/>
+        <p:nvPr/>
+      </p:nvGrpSpPr>
+      <p:grpSpPr>
+        <a:xfrm>
+          <a:off x="0" y="0"/>
+          <a:ext cx="0" cy="0"/>
+          <a:chOff x="0" y="0"/>
+          <a:chExt cx="0" cy="0"/>
+        </a:xfrm>
+      </p:grpSpPr>
+      <p:sp>
+        <p:nvSpPr>
+          <p:cNvPr id="2" name="Footer Placeholder 1">
+            <a:extLst>
+              <a:ext uri="{FF2B5EF4-FFF2-40B4-BE49-F238E27FC236}">
+                <a16:creationId xmlns:a16="http://schemas.microsoft.com/office/drawing/2014/main" id="{8D940C59-D6A9-5448-A8BB-A791F53C2AA9}"/>
+              </a:ext>
+            </a:extLst>
+          </p:cNvPr>
+          <p:cNvSpPr>
+            <a:spLocks noGrp="1"/>
+          </p:cNvSpPr>
+          <p:nvPr>
+            <p:ph type="ftr" sz="quarter" idx="11"/>
+          </p:nvPr>
+        </p:nvSpPr>
+        <p:spPr/>
+        <p:txBody>
+          <a:bodyPr/>
+          <a:lstStyle/>
+          <a:p>
+            <a:r>
+              <a:rPr lang="en-US" dirty="0"/>
+              <a:t>Patrick Wales-Dinan | GA 2019</a:t>
+            </a:r>
+          </a:p>
+        </p:txBody>
+      </p:sp>
+      <p:sp>
+        <p:nvSpPr>
+          <p:cNvPr id="3" name="TextBox 2">
+            <a:extLst>
+              <a:ext uri="{FF2B5EF4-FFF2-40B4-BE49-F238E27FC236}">
+                <a16:creationId xmlns:a16="http://schemas.microsoft.com/office/drawing/2014/main" id="{D82A1205-BDB4-9549-B5C8-84DEFD860C41}"/>
+              </a:ext>
+            </a:extLst>
+          </p:cNvPr>
+          <p:cNvSpPr txBox="1"/>
+          <p:nvPr/>
+        </p:nvSpPr>
+        <p:spPr>
+          <a:xfrm>
+            <a:off x="963148" y="161877"/>
+            <a:ext cx="1874231" cy="584775"/>
+          </a:xfrm>
+          <a:prstGeom prst="rect">
+            <a:avLst/>
+          </a:prstGeom>
+          <a:noFill/>
+        </p:spPr>
+        <p:txBody>
+          <a:bodyPr wrap="none" rtlCol="0">
+            <a:spAutoFit/>
+          </a:bodyPr>
+          <a:lstStyle/>
+          <a:p>
+            <a:r>
+              <a:rPr lang="en-US" sz="3200" dirty="0">
+                <a:latin typeface="Calibri" panose="020F0502020204030204" pitchFamily="34" charset="0"/>
+                <a:cs typeface="Calibri" panose="020F0502020204030204" pitchFamily="34" charset="0"/>
+              </a:rPr>
+              <a:t>Appendix:</a:t>
+            </a:r>
+          </a:p>
+        </p:txBody>
+      </p:sp>
+      <p:pic>
+        <p:nvPicPr>
+          <p:cNvPr id="5" name="Picture 4">
+            <a:extLst>
+              <a:ext uri="{FF2B5EF4-FFF2-40B4-BE49-F238E27FC236}">
+                <a16:creationId xmlns:a16="http://schemas.microsoft.com/office/drawing/2014/main" id="{0A924F16-14A3-C149-8D7B-9434813511D0}"/>
+              </a:ext>
+            </a:extLst>
+          </p:cNvPr>
+          <p:cNvPicPr>
+            <a:picLocks noChangeAspect="1"/>
+          </p:cNvPicPr>
+          <p:nvPr/>
+        </p:nvPicPr>
+        <p:blipFill>
+          <a:blip r:embed="rId2"/>
+          <a:stretch>
+            <a:fillRect/>
+          </a:stretch>
+        </p:blipFill>
+        <p:spPr>
+          <a:xfrm>
+            <a:off x="963148" y="754579"/>
+            <a:ext cx="5132852" cy="2568405"/>
+          </a:xfrm>
+          <a:prstGeom prst="rect">
+            <a:avLst/>
+          </a:prstGeom>
+        </p:spPr>
+      </p:pic>
+      <p:pic>
+        <p:nvPicPr>
+          <p:cNvPr id="6" name="Picture 5">
+            <a:extLst>
+              <a:ext uri="{FF2B5EF4-FFF2-40B4-BE49-F238E27FC236}">
+                <a16:creationId xmlns:a16="http://schemas.microsoft.com/office/drawing/2014/main" id="{EAC39DB2-5D52-7C4E-A476-FC5FD8EC7380}"/>
+              </a:ext>
+            </a:extLst>
+          </p:cNvPr>
+          <p:cNvPicPr>
+            <a:picLocks noChangeAspect="1"/>
+          </p:cNvPicPr>
+          <p:nvPr/>
+        </p:nvPicPr>
+        <p:blipFill>
+          <a:blip r:embed="rId3"/>
+          <a:stretch>
+            <a:fillRect/>
+          </a:stretch>
+        </p:blipFill>
+        <p:spPr>
+          <a:xfrm>
+            <a:off x="6607968" y="754578"/>
+            <a:ext cx="5132852" cy="2568405"/>
+          </a:xfrm>
+          <a:prstGeom prst="rect">
+            <a:avLst/>
+          </a:prstGeom>
+        </p:spPr>
+      </p:pic>
+      <p:pic>
+        <p:nvPicPr>
+          <p:cNvPr id="9" name="Picture 8">
+            <a:extLst>
+              <a:ext uri="{FF2B5EF4-FFF2-40B4-BE49-F238E27FC236}">
+                <a16:creationId xmlns:a16="http://schemas.microsoft.com/office/drawing/2014/main" id="{7AA00D37-F6F4-F243-BE01-C99AB57B87BD}"/>
+              </a:ext>
+            </a:extLst>
+          </p:cNvPr>
+          <p:cNvPicPr>
+            <a:picLocks noChangeAspect="1"/>
+          </p:cNvPicPr>
+          <p:nvPr/>
+        </p:nvPicPr>
+        <p:blipFill>
+          <a:blip r:embed="rId4"/>
+          <a:stretch>
+            <a:fillRect/>
+          </a:stretch>
+        </p:blipFill>
+        <p:spPr>
+          <a:xfrm>
+            <a:off x="1311964" y="3428999"/>
+            <a:ext cx="9916888" cy="3049856"/>
+          </a:xfrm>
+          <a:prstGeom prst="rect">
+            <a:avLst/>
+          </a:prstGeom>
+        </p:spPr>
+      </p:pic>
+    </p:spTree>
+    <p:extLst>
+      <p:ext uri="{BB962C8B-B14F-4D97-AF65-F5344CB8AC3E}">
+        <p14:creationId xmlns:p14="http://schemas.microsoft.com/office/powerpoint/2010/main" val="1955774595"/>
       </p:ext>
     </p:extLst>
   </p:cSld>

--- a/Project_2_Presentation.pptx
+++ b/Project_2_Presentation.pptx
@@ -5,7 +5,7 @@
     <p:sldMasterId id="2147483684" r:id="rId1"/>
   </p:sldMasterIdLst>
   <p:notesMasterIdLst>
-    <p:notesMasterId r:id="rId15"/>
+    <p:notesMasterId r:id="rId16"/>
   </p:notesMasterIdLst>
   <p:sldIdLst>
     <p:sldId id="256" r:id="rId2"/>
@@ -21,6 +21,7 @@
     <p:sldId id="267" r:id="rId12"/>
     <p:sldId id="268" r:id="rId13"/>
     <p:sldId id="269" r:id="rId14"/>
+    <p:sldId id="270" r:id="rId15"/>
   </p:sldIdLst>
   <p:sldSz cx="12192000" cy="6858000"/>
   <p:notesSz cx="6858000" cy="9144000"/>
@@ -5095,7 +5096,7 @@
         </p:blipFill>
         <p:spPr>
           <a:xfrm>
-            <a:off x="1064646" y="1366359"/>
+            <a:off x="1064646" y="1369985"/>
             <a:ext cx="7797800" cy="3378200"/>
           </a:xfrm>
           <a:prstGeom prst="rect">
@@ -7038,6 +7039,132 @@
     <p:extLst>
       <p:ext uri="{BB962C8B-B14F-4D97-AF65-F5344CB8AC3E}">
         <p14:creationId xmlns:p14="http://schemas.microsoft.com/office/powerpoint/2010/main" val="1955774595"/>
+      </p:ext>
+    </p:extLst>
+  </p:cSld>
+  <p:clrMapOvr>
+    <a:masterClrMapping/>
+  </p:clrMapOvr>
+</p:sld>
+</file>
+
+<file path=ppt/slides/slide14.xml><?xml version="1.0" encoding="utf-8"?>
+<p:sld xmlns:a="http://schemas.openxmlformats.org/drawingml/2006/main" xmlns:r="http://schemas.openxmlformats.org/officeDocument/2006/relationships" xmlns:p="http://schemas.openxmlformats.org/presentationml/2006/main">
+  <p:cSld>
+    <p:spTree>
+      <p:nvGrpSpPr>
+        <p:cNvPr id="1" name=""/>
+        <p:cNvGrpSpPr/>
+        <p:nvPr/>
+      </p:nvGrpSpPr>
+      <p:grpSpPr>
+        <a:xfrm>
+          <a:off x="0" y="0"/>
+          <a:ext cx="0" cy="0"/>
+          <a:chOff x="0" y="0"/>
+          <a:chExt cx="0" cy="0"/>
+        </a:xfrm>
+      </p:grpSpPr>
+      <p:sp>
+        <p:nvSpPr>
+          <p:cNvPr id="2" name="Footer Placeholder 1">
+            <a:extLst>
+              <a:ext uri="{FF2B5EF4-FFF2-40B4-BE49-F238E27FC236}">
+                <a16:creationId xmlns:a16="http://schemas.microsoft.com/office/drawing/2014/main" id="{8D940C59-D6A9-5448-A8BB-A791F53C2AA9}"/>
+              </a:ext>
+            </a:extLst>
+          </p:cNvPr>
+          <p:cNvSpPr>
+            <a:spLocks noGrp="1"/>
+          </p:cNvSpPr>
+          <p:nvPr>
+            <p:ph type="ftr" sz="quarter" idx="11"/>
+          </p:nvPr>
+        </p:nvSpPr>
+        <p:spPr/>
+        <p:txBody>
+          <a:bodyPr/>
+          <a:lstStyle/>
+          <a:p>
+            <a:r>
+              <a:rPr lang="en-US" dirty="0"/>
+              <a:t>Patrick Wales-Dinan | GA 2019</a:t>
+            </a:r>
+          </a:p>
+        </p:txBody>
+      </p:sp>
+      <p:sp>
+        <p:nvSpPr>
+          <p:cNvPr id="3" name="TextBox 2">
+            <a:extLst>
+              <a:ext uri="{FF2B5EF4-FFF2-40B4-BE49-F238E27FC236}">
+                <a16:creationId xmlns:a16="http://schemas.microsoft.com/office/drawing/2014/main" id="{D82A1205-BDB4-9549-B5C8-84DEFD860C41}"/>
+              </a:ext>
+            </a:extLst>
+          </p:cNvPr>
+          <p:cNvSpPr txBox="1"/>
+          <p:nvPr/>
+        </p:nvSpPr>
+        <p:spPr>
+          <a:xfrm>
+            <a:off x="963148" y="161877"/>
+            <a:ext cx="1874231" cy="584775"/>
+          </a:xfrm>
+          <a:prstGeom prst="rect">
+            <a:avLst/>
+          </a:prstGeom>
+          <a:noFill/>
+        </p:spPr>
+        <p:txBody>
+          <a:bodyPr wrap="none" rtlCol="0">
+            <a:spAutoFit/>
+          </a:bodyPr>
+          <a:lstStyle/>
+          <a:p>
+            <a:r>
+              <a:rPr lang="en-US" sz="3200" dirty="0">
+                <a:latin typeface="Calibri" panose="020F0502020204030204" pitchFamily="34" charset="0"/>
+                <a:cs typeface="Calibri" panose="020F0502020204030204" pitchFamily="34" charset="0"/>
+              </a:rPr>
+              <a:t>Appendix:</a:t>
+            </a:r>
+          </a:p>
+        </p:txBody>
+      </p:sp>
+      <p:pic>
+        <p:nvPicPr>
+          <p:cNvPr id="4" name="Picture 3">
+            <a:extLst>
+              <a:ext uri="{FF2B5EF4-FFF2-40B4-BE49-F238E27FC236}">
+                <a16:creationId xmlns:a16="http://schemas.microsoft.com/office/drawing/2014/main" id="{3DC3EE65-6F91-3047-9875-4BB98FB2D86B}"/>
+              </a:ext>
+            </a:extLst>
+          </p:cNvPr>
+          <p:cNvPicPr>
+            <a:picLocks noChangeAspect="1"/>
+          </p:cNvPicPr>
+          <p:nvPr/>
+        </p:nvPicPr>
+        <p:blipFill>
+          <a:blip r:embed="rId2"/>
+          <a:stretch>
+            <a:fillRect/>
+          </a:stretch>
+        </p:blipFill>
+        <p:spPr>
+          <a:xfrm>
+            <a:off x="1665257" y="1129342"/>
+            <a:ext cx="8737443" cy="5324044"/>
+          </a:xfrm>
+          <a:prstGeom prst="rect">
+            <a:avLst/>
+          </a:prstGeom>
+        </p:spPr>
+      </p:pic>
+    </p:spTree>
+    <p:extLst>
+      <p:ext uri="{BB962C8B-B14F-4D97-AF65-F5344CB8AC3E}">
+        <p14:creationId xmlns:p14="http://schemas.microsoft.com/office/powerpoint/2010/main" val="931582420"/>
       </p:ext>
     </p:extLst>
   </p:cSld>
